--- a/Slides/Lesson 8.5 Linear Search.pptx
+++ b/Slides/Lesson 8.5 Linear Search.pptx
@@ -248,7 +248,7 @@
             <a:fld id="{CF8F25F6-E1EF-4065-8525-42EDEBD9BD22}" type="datetimeFigureOut">
               <a:rPr lang="en-US" smtClean="0"/>
               <a:pPr/>
-              <a:t>10/5/2015</a:t>
+              <a:t>10/16/2015</a:t>
             </a:fld>
             <a:endParaRPr lang="en-US"/>
           </a:p>
@@ -957,7 +957,7 @@
           <a:p>
             <a:fld id="{2F1F79F5-7BEC-496A-AFC7-876E38F64D71}" type="datetime1">
               <a:rPr lang="en-US" smtClean="0"/>
-              <a:t>10/5/2015</a:t>
+              <a:t>10/16/2015</a:t>
             </a:fld>
             <a:endParaRPr lang="en-US"/>
           </a:p>
@@ -1059,7 +1059,7 @@
           <a:p>
             <a:fld id="{0A05703A-7669-4FEA-9056-25299B4D29D4}" type="datetime1">
               <a:rPr lang="en-US" smtClean="0"/>
-              <a:t>10/5/2015</a:t>
+              <a:t>10/16/2015</a:t>
             </a:fld>
             <a:endParaRPr lang="en-US"/>
           </a:p>
@@ -1336,7 +1336,7 @@
           <a:p>
             <a:fld id="{6E5077B5-BB57-49DB-88CA-226A139E5C01}" type="datetime1">
               <a:rPr lang="en-US" smtClean="0"/>
-              <a:t>10/5/2015</a:t>
+              <a:t>10/16/2015</a:t>
             </a:fld>
             <a:endParaRPr lang="en-US"/>
           </a:p>
@@ -1589,7 +1589,7 @@
           <a:p>
             <a:fld id="{C48D9447-CBD6-49A1-89FD-8512A8CF8999}" type="datetime1">
               <a:rPr lang="en-US" smtClean="0"/>
-              <a:t>10/5/2015</a:t>
+              <a:t>10/16/2015</a:t>
             </a:fld>
             <a:endParaRPr lang="en-US"/>
           </a:p>
@@ -1759,7 +1759,7 @@
           <a:p>
             <a:fld id="{A3639A2A-823D-48B7-9ACE-7FAF42870BA9}" type="datetime1">
               <a:rPr lang="en-US" smtClean="0"/>
-              <a:t>10/5/2015</a:t>
+              <a:t>10/16/2015</a:t>
             </a:fld>
             <a:endParaRPr lang="en-US"/>
           </a:p>
@@ -1939,7 +1939,7 @@
           <a:p>
             <a:fld id="{ED1B6996-82E9-463C-972C-7B56056E426C}" type="datetime1">
               <a:rPr lang="en-US" smtClean="0"/>
-              <a:t>10/5/2015</a:t>
+              <a:t>10/16/2015</a:t>
             </a:fld>
             <a:endParaRPr lang="en-US"/>
           </a:p>
@@ -2115,7 +2115,7 @@
           <a:p>
             <a:fld id="{E22ED4DA-448D-4BB1-B935-CC112220207B}" type="datetime1">
               <a:rPr lang="en-US" smtClean="0"/>
-              <a:t>10/5/2015</a:t>
+              <a:t>10/16/2015</a:t>
             </a:fld>
             <a:endParaRPr lang="en-US"/>
           </a:p>
@@ -2297,7 +2297,7 @@
           <a:p>
             <a:fld id="{E22ED4DA-448D-4BB1-B935-CC112220207B}" type="datetime1">
               <a:rPr lang="en-US" smtClean="0"/>
-              <a:t>10/5/2015</a:t>
+              <a:t>10/16/2015</a:t>
             </a:fld>
             <a:endParaRPr lang="en-US"/>
           </a:p>
@@ -2566,7 +2566,7 @@
           <a:p>
             <a:fld id="{FF5D65A6-AB94-4435-B0B7-3743215FA46C}" type="datetime1">
               <a:rPr lang="en-US" smtClean="0"/>
-              <a:t>10/5/2015</a:t>
+              <a:t>10/16/2015</a:t>
             </a:fld>
             <a:endParaRPr lang="en-US"/>
           </a:p>
@@ -2751,7 +2751,7 @@
           <a:p>
             <a:fld id="{FF5D65A6-AB94-4435-B0B7-3743215FA46C}" type="datetime1">
               <a:rPr lang="en-US" smtClean="0"/>
-              <a:t>10/5/2015</a:t>
+              <a:t>10/16/2015</a:t>
             </a:fld>
             <a:endParaRPr lang="en-US"/>
           </a:p>
@@ -3053,7 +3053,7 @@
           <a:p>
             <a:fld id="{7C193DC4-6EF0-48C9-B29C-616106A645E1}" type="datetime1">
               <a:rPr lang="en-US" smtClean="0"/>
-              <a:t>10/5/2015</a:t>
+              <a:t>10/16/2015</a:t>
             </a:fld>
             <a:endParaRPr lang="en-US"/>
           </a:p>
@@ -3341,7 +3341,7 @@
           <a:p>
             <a:fld id="{5D1846AD-9252-4647-9435-4C2AC365653A}" type="datetime1">
               <a:rPr lang="en-US" smtClean="0"/>
-              <a:t>10/5/2015</a:t>
+              <a:t>10/16/2015</a:t>
             </a:fld>
             <a:endParaRPr lang="en-US"/>
           </a:p>
@@ -3763,7 +3763,7 @@
           <a:p>
             <a:fld id="{CE56DC10-3561-4063-A6AF-C1CC7A41040A}" type="datetime1">
               <a:rPr lang="en-US" smtClean="0"/>
-              <a:t>10/5/2015</a:t>
+              <a:t>10/16/2015</a:t>
             </a:fld>
             <a:endParaRPr lang="en-US"/>
           </a:p>
@@ -3881,7 +3881,7 @@
           <a:p>
             <a:fld id="{2F7B77F5-1464-4F6B-92A8-64FC8A508293}" type="datetime1">
               <a:rPr lang="en-US" smtClean="0"/>
-              <a:t>10/5/2015</a:t>
+              <a:t>10/16/2015</a:t>
             </a:fld>
             <a:endParaRPr lang="en-US"/>
           </a:p>
@@ -4113,7 +4113,7 @@
           <a:p>
             <a:fld id="{02B3F677-983B-48DB-ADFD-63FE6CBC7FB2}" type="datetime1">
               <a:rPr lang="en-US" smtClean="0"/>
-              <a:t>10/5/2015</a:t>
+              <a:t>10/16/2015</a:t>
             </a:fld>
             <a:endParaRPr lang="en-US"/>
           </a:p>
@@ -4545,13 +4545,8 @@
           <a:p>
             <a:r>
               <a:rPr lang="en-US" dirty="0" smtClean="0"/>
-              <a:t>Lesson </a:t>
-            </a:r>
-            <a:r>
-              <a:rPr lang="en-US" dirty="0" smtClean="0"/>
-              <a:t>8.5</a:t>
-            </a:r>
-            <a:endParaRPr lang="en-US" dirty="0" smtClean="0"/>
+              <a:t>Lesson 8.5</a:t>
+            </a:r>
           </a:p>
           <a:p>
             <a:endParaRPr lang="en-US" dirty="0" smtClean="0"/>
@@ -4933,7 +4928,11 @@
             </a:r>
             <a:r>
               <a:rPr lang="en-US" sz="2800" dirty="0" smtClean="0"/>
-              <a:t> </a:t>
+              <a:t> ≤ </a:t>
+            </a:r>
+            <a:r>
+              <a:rPr lang="en-US" sz="2800" dirty="0"/>
+              <a:t>j </a:t>
             </a:r>
             <a:r>
               <a:rPr lang="en-US" sz="2800" dirty="0" smtClean="0"/>
@@ -4941,14 +4940,6 @@
             </a:r>
             <a:r>
               <a:rPr lang="en-US" sz="2800" dirty="0"/>
-              <a:t>j </a:t>
-            </a:r>
-            <a:r>
-              <a:rPr lang="en-US" sz="2800" dirty="0" smtClean="0"/>
-              <a:t>≤ </a:t>
-            </a:r>
-            <a:r>
-              <a:rPr lang="en-US" sz="2800" dirty="0"/>
               <a:t>hi</a:t>
             </a:r>
             <a:r>
@@ -4993,11 +4984,7 @@
             </a:r>
             <a:r>
               <a:rPr lang="en-US" sz="2800" dirty="0" smtClean="0"/>
-              <a:t>   + SUM{f(j)|i+1 </a:t>
-            </a:r>
-            <a:r>
-              <a:rPr lang="en-US" sz="2800" dirty="0" smtClean="0"/>
-              <a:t>≤ </a:t>
+              <a:t>   + SUM{f(j)|i+1 ≤ </a:t>
             </a:r>
             <a:r>
               <a:rPr lang="en-US" sz="2800" dirty="0"/>
@@ -5242,8 +5229,13 @@
             </a:pPr>
             <a:r>
               <a:rPr lang="en-US" sz="2400" dirty="0"/>
-              <a:t>;; STRATEGY: General Recursion</a:t>
-            </a:r>
+              <a:t>;; STRATEGY: </a:t>
+            </a:r>
+            <a:r>
+              <a:rPr lang="en-US" sz="2400" dirty="0" smtClean="0"/>
+              <a:t>If not done, recur on i+1.</a:t>
+            </a:r>
+            <a:endParaRPr lang="en-US" sz="2400" dirty="0"/>
           </a:p>
           <a:p>
             <a:pPr>
@@ -6733,7 +6725,6 @@
               <a:rPr lang="en-US" dirty="0" smtClean="0"/>
               <a:t>Termination argument:</a:t>
             </a:r>
-            <a:endParaRPr lang="en-US" dirty="0" smtClean="0"/>
           </a:p>
           <a:p>
             <a:pPr lvl="1"/>
@@ -6751,13 +6742,8 @@
             </a:r>
             <a:r>
               <a:rPr lang="en-US" dirty="0" smtClean="0"/>
-              <a:t>is non-negative, because of the </a:t>
-            </a:r>
-            <a:r>
-              <a:rPr lang="en-US" dirty="0" smtClean="0"/>
-              <a:t>invariant </a:t>
-            </a:r>
-            <a:endParaRPr lang="en-US" dirty="0" smtClean="0"/>
+              <a:t>is non-negative, because of the invariant </a:t>
+            </a:r>
           </a:p>
           <a:p>
             <a:pPr marL="457200" lvl="1" indent="0">
@@ -6773,11 +6759,7 @@
             </a:r>
             <a:r>
               <a:rPr lang="en-US" b="1" dirty="0" smtClean="0"/>
-              <a:t> ≤ </a:t>
-            </a:r>
-            <a:r>
-              <a:rPr lang="en-US" b="1" dirty="0" smtClean="0"/>
-              <a:t>hi</a:t>
+              <a:t> ≤ hi</a:t>
             </a:r>
           </a:p>
           <a:p>
@@ -6788,11 +6770,7 @@
             </a:r>
             <a:r>
               <a:rPr lang="en-US" dirty="0" smtClean="0"/>
-              <a:t> increases at every </a:t>
-            </a:r>
-            <a:r>
-              <a:rPr lang="en-US" dirty="0" smtClean="0"/>
-              <a:t>call, so (hi – </a:t>
+              <a:t> increases at every call, so (hi – </a:t>
             </a:r>
             <a:r>
               <a:rPr lang="en-US" dirty="0" err="1" smtClean="0"/>
@@ -6802,7 +6780,6 @@
               <a:rPr lang="en-US" dirty="0" smtClean="0"/>
               <a:t>) decreases at every call.</a:t>
             </a:r>
-            <a:endParaRPr lang="en-US" dirty="0" smtClean="0"/>
           </a:p>
           <a:p>
             <a:r>
@@ -6823,17 +6800,12 @@
             </a:r>
             <a:r>
               <a:rPr lang="en-US" dirty="0" smtClean="0"/>
-              <a:t>is </a:t>
-            </a:r>
-            <a:r>
-              <a:rPr lang="en-US" dirty="0" smtClean="0"/>
-              <a:t>a halting measure </a:t>
+              <a:t>is a halting measure </a:t>
             </a:r>
             <a:r>
               <a:rPr lang="en-US" dirty="0"/>
               <a:t>for generalized-function-sum </a:t>
             </a:r>
-            <a:endParaRPr lang="en-US" dirty="0"/>
           </a:p>
         </p:txBody>
       </p:sp>
@@ -7025,15 +6997,7 @@
             </a:pPr>
             <a:r>
               <a:rPr lang="en-US" sz="2400" dirty="0" smtClean="0"/>
-              <a:t>;; WHERE: 	lo </a:t>
-            </a:r>
-            <a:r>
-              <a:rPr lang="en-US" sz="2400" dirty="0" smtClean="0"/>
-              <a:t>≤ </a:t>
-            </a:r>
-            <a:r>
-              <a:rPr lang="en-US" sz="2400" dirty="0" smtClean="0"/>
-              <a:t>hi</a:t>
+              <a:t>;; WHERE: 	lo ≤ hi</a:t>
             </a:r>
             <a:endParaRPr lang="en-US" sz="2400" dirty="0"/>
           </a:p>
@@ -7309,11 +7273,7 @@
           <a:p>
             <a:r>
               <a:rPr lang="en-US" dirty="0" smtClean="0"/>
-              <a:t>Example #2: </a:t>
-            </a:r>
-            <a:r>
-              <a:rPr lang="en-US" dirty="0" smtClean="0"/>
-              <a:t>Linear Search</a:t>
+              <a:t>Example #2: Linear Search</a:t>
             </a:r>
             <a:endParaRPr lang="en-US" dirty="0"/>
           </a:p>
@@ -7654,23 +7614,7 @@
                   <a:schemeClr val="tx1"/>
                 </a:solidFill>
               </a:rPr>
-              <a:t>{ j | lo </a:t>
-            </a:r>
-            <a:r>
-              <a:rPr lang="en-US" sz="1400" dirty="0" smtClean="0">
-                <a:solidFill>
-                  <a:schemeClr val="tx1"/>
-                </a:solidFill>
-              </a:rPr>
-              <a:t>≤ </a:t>
-            </a:r>
-            <a:r>
-              <a:rPr lang="en-US" sz="1400" dirty="0" smtClean="0">
-                <a:solidFill>
-                  <a:schemeClr val="tx1"/>
-                </a:solidFill>
-              </a:rPr>
-              <a:t>j &lt; hi}</a:t>
+              <a:t>{ j | lo ≤ j &lt; hi}</a:t>
             </a:r>
           </a:p>
         </p:txBody>
@@ -8062,15 +8006,7 @@
           <a:p>
             <a:r>
               <a:rPr lang="en-US" dirty="0" smtClean="0"/>
-              <a:t>What's the </a:t>
-            </a:r>
-            <a:r>
-              <a:rPr lang="en-US" dirty="0" smtClean="0"/>
-              <a:t>non-trivial </a:t>
-            </a:r>
-            <a:r>
-              <a:rPr lang="en-US" dirty="0" smtClean="0"/>
-              <a:t>case?</a:t>
+              <a:t>What's the non-trivial case?</a:t>
             </a:r>
             <a:endParaRPr lang="en-US" dirty="0"/>
           </a:p>
@@ -8355,8 +8291,25 @@
           <a:lstStyle/>
           <a:p>
             <a:r>
+              <a:rPr lang="en-US" sz="2000" dirty="0" smtClean="0"/>
+              <a:t>;; STRATEGY: If more to search and not found, then recur </a:t>
+            </a:r>
+          </a:p>
+          <a:p>
+            <a:r>
+              <a:rPr lang="en-US" sz="2000" dirty="0" smtClean="0"/>
+              <a:t>;; on (+ lo 1)</a:t>
+            </a:r>
+            <a:endParaRPr lang="en-US" sz="2000" dirty="0" smtClean="0"/>
+          </a:p>
+          <a:p>
+            <a:r>
+              <a:rPr lang="en-US" sz="2000" dirty="0" smtClean="0"/>
+              <a:t>(</a:t>
+            </a:r>
+            <a:r>
               <a:rPr lang="en-US" sz="2000" dirty="0"/>
-              <a:t>(define (linear-search lo hi </a:t>
+              <a:t>define (linear-search lo hi </a:t>
             </a:r>
             <a:r>
               <a:rPr lang="en-US" sz="2000" dirty="0" err="1"/>
@@ -8655,15 +8608,7 @@
             </a:r>
             <a:r>
               <a:rPr lang="en-US" b="1" dirty="0" smtClean="0"/>
-              <a:t>lo </a:t>
-            </a:r>
-            <a:r>
-              <a:rPr lang="en-US" b="1" dirty="0" smtClean="0"/>
-              <a:t>≤ </a:t>
-            </a:r>
-            <a:r>
-              <a:rPr lang="en-US" b="1" dirty="0" smtClean="0"/>
-              <a:t>hi</a:t>
+              <a:t>lo ≤ hi</a:t>
             </a:r>
             <a:r>
               <a:rPr lang="en-US" dirty="0" smtClean="0"/>
@@ -9297,11 +9242,7 @@
           <a:p>
             <a:r>
               <a:rPr lang="en-US" dirty="0" smtClean="0"/>
-              <a:t>Example #1: </a:t>
-            </a:r>
-            <a:r>
-              <a:rPr lang="en-US" dirty="0" smtClean="0"/>
-              <a:t>function-sum</a:t>
+              <a:t>Example #1: function-sum</a:t>
             </a:r>
             <a:endParaRPr lang="en-US" dirty="0"/>
           </a:p>
@@ -9378,15 +9319,7 @@
             </a:pPr>
             <a:r>
               <a:rPr lang="en-US" dirty="0" smtClean="0"/>
-              <a:t>GIVEN: natural numbers lo </a:t>
-            </a:r>
-            <a:r>
-              <a:rPr lang="en-US" dirty="0" smtClean="0"/>
-              <a:t>≤ </a:t>
-            </a:r>
-            <a:r>
-              <a:rPr lang="en-US" dirty="0" smtClean="0"/>
-              <a:t>hi and a function f,</a:t>
+              <a:t>GIVEN: natural numbers lo ≤ hi and a function f,</a:t>
             </a:r>
           </a:p>
           <a:p>
@@ -9409,11 +9342,7 @@
             </a:r>
             <a:r>
               <a:rPr lang="en-US" dirty="0"/>
-              <a:t>≤ </a:t>
-            </a:r>
-            <a:r>
-              <a:rPr lang="en-US" dirty="0"/>
-              <a:t>j</a:t>
+              <a:t>≤ j</a:t>
             </a:r>
             <a:r>
               <a:rPr lang="en-US" dirty="0" smtClean="0"/>
@@ -10745,39 +10674,7 @@
                   <a:schemeClr val="tx1"/>
                 </a:solidFill>
               </a:rPr>
-              <a:t> </a:t>
-            </a:r>
-            <a:r>
-              <a:rPr lang="en-US" dirty="0" smtClean="0">
-                <a:solidFill>
-                  <a:schemeClr val="tx1"/>
-                </a:solidFill>
-              </a:rPr>
-              <a:t>≤ </a:t>
-            </a:r>
-            <a:r>
-              <a:rPr lang="en-US" dirty="0" smtClean="0">
-                <a:solidFill>
-                  <a:schemeClr val="tx1"/>
-                </a:solidFill>
-              </a:rPr>
-              <a:t>j </a:t>
-            </a:r>
-            <a:r>
-              <a:rPr lang="en-US" dirty="0" smtClean="0">
-                <a:solidFill>
-                  <a:schemeClr val="tx1"/>
-                </a:solidFill>
-              </a:rPr>
-              <a:t>≤ </a:t>
-            </a:r>
-            <a:r>
-              <a:rPr lang="en-US" dirty="0" smtClean="0">
-                <a:solidFill>
-                  <a:schemeClr val="tx1"/>
-                </a:solidFill>
-              </a:rPr>
-              <a:t>hi}</a:t>
+              <a:t> ≤ j ≤ hi}</a:t>
             </a:r>
           </a:p>
         </p:txBody>
@@ -11174,15 +11071,7 @@
             </a:r>
             <a:r>
               <a:rPr lang="en-US" dirty="0" smtClean="0"/>
-              <a:t> </a:t>
-            </a:r>
-            <a:r>
-              <a:rPr lang="en-US" dirty="0" smtClean="0"/>
-              <a:t>≤ </a:t>
-            </a:r>
-            <a:r>
-              <a:rPr lang="en-US" dirty="0" smtClean="0"/>
-              <a:t>hi</a:t>
+              <a:t> ≤ hi</a:t>
             </a:r>
             <a:endParaRPr lang="en-US" dirty="0"/>
           </a:p>
@@ -11470,7 +11359,11 @@
             </a:r>
             <a:r>
               <a:rPr lang="en-US" sz="2800" dirty="0" smtClean="0"/>
-              <a:t> </a:t>
+              <a:t> ≤ </a:t>
+            </a:r>
+            <a:r>
+              <a:rPr lang="en-US" sz="2800" dirty="0"/>
+              <a:t>j </a:t>
             </a:r>
             <a:r>
               <a:rPr lang="en-US" sz="2800" dirty="0" smtClean="0"/>
@@ -11478,14 +11371,6 @@
             </a:r>
             <a:r>
               <a:rPr lang="en-US" sz="2800" dirty="0"/>
-              <a:t>j </a:t>
-            </a:r>
-            <a:r>
-              <a:rPr lang="en-US" sz="2800" dirty="0" smtClean="0"/>
-              <a:t>≤ </a:t>
-            </a:r>
-            <a:r>
-              <a:rPr lang="en-US" sz="2800" dirty="0"/>
               <a:t>hi</a:t>
             </a:r>
             <a:r>
@@ -11508,11 +11393,7 @@
             </a:r>
             <a:r>
               <a:rPr lang="en-US" sz="2800" dirty="0" smtClean="0"/>
-              <a:t>)|hi </a:t>
-            </a:r>
-            <a:r>
-              <a:rPr lang="en-US" sz="2800" dirty="0" smtClean="0"/>
-              <a:t>≤ </a:t>
+              <a:t>)|hi ≤ </a:t>
             </a:r>
             <a:r>
               <a:rPr lang="en-US" sz="2800" dirty="0"/>

--- a/Slides/Lesson 8.5 Linear Search.pptx
+++ b/Slides/Lesson 8.5 Linear Search.pptx
@@ -248,7 +248,7 @@
             <a:fld id="{CF8F25F6-E1EF-4065-8525-42EDEBD9BD22}" type="datetimeFigureOut">
               <a:rPr lang="en-US" smtClean="0"/>
               <a:pPr/>
-              <a:t>10/16/2015</a:t>
+              <a:t>10/19/2015</a:t>
             </a:fld>
             <a:endParaRPr lang="en-US"/>
           </a:p>
@@ -957,7 +957,7 @@
           <a:p>
             <a:fld id="{2F1F79F5-7BEC-496A-AFC7-876E38F64D71}" type="datetime1">
               <a:rPr lang="en-US" smtClean="0"/>
-              <a:t>10/16/2015</a:t>
+              <a:t>10/19/2015</a:t>
             </a:fld>
             <a:endParaRPr lang="en-US"/>
           </a:p>
@@ -1059,7 +1059,7 @@
           <a:p>
             <a:fld id="{0A05703A-7669-4FEA-9056-25299B4D29D4}" type="datetime1">
               <a:rPr lang="en-US" smtClean="0"/>
-              <a:t>10/16/2015</a:t>
+              <a:t>10/19/2015</a:t>
             </a:fld>
             <a:endParaRPr lang="en-US"/>
           </a:p>
@@ -1336,7 +1336,7 @@
           <a:p>
             <a:fld id="{6E5077B5-BB57-49DB-88CA-226A139E5C01}" type="datetime1">
               <a:rPr lang="en-US" smtClean="0"/>
-              <a:t>10/16/2015</a:t>
+              <a:t>10/19/2015</a:t>
             </a:fld>
             <a:endParaRPr lang="en-US"/>
           </a:p>
@@ -1589,7 +1589,7 @@
           <a:p>
             <a:fld id="{C48D9447-CBD6-49A1-89FD-8512A8CF8999}" type="datetime1">
               <a:rPr lang="en-US" smtClean="0"/>
-              <a:t>10/16/2015</a:t>
+              <a:t>10/19/2015</a:t>
             </a:fld>
             <a:endParaRPr lang="en-US"/>
           </a:p>
@@ -1759,7 +1759,7 @@
           <a:p>
             <a:fld id="{A3639A2A-823D-48B7-9ACE-7FAF42870BA9}" type="datetime1">
               <a:rPr lang="en-US" smtClean="0"/>
-              <a:t>10/16/2015</a:t>
+              <a:t>10/19/2015</a:t>
             </a:fld>
             <a:endParaRPr lang="en-US"/>
           </a:p>
@@ -1939,7 +1939,7 @@
           <a:p>
             <a:fld id="{ED1B6996-82E9-463C-972C-7B56056E426C}" type="datetime1">
               <a:rPr lang="en-US" smtClean="0"/>
-              <a:t>10/16/2015</a:t>
+              <a:t>10/19/2015</a:t>
             </a:fld>
             <a:endParaRPr lang="en-US"/>
           </a:p>
@@ -2115,7 +2115,7 @@
           <a:p>
             <a:fld id="{E22ED4DA-448D-4BB1-B935-CC112220207B}" type="datetime1">
               <a:rPr lang="en-US" smtClean="0"/>
-              <a:t>10/16/2015</a:t>
+              <a:t>10/19/2015</a:t>
             </a:fld>
             <a:endParaRPr lang="en-US"/>
           </a:p>
@@ -2297,7 +2297,7 @@
           <a:p>
             <a:fld id="{E22ED4DA-448D-4BB1-B935-CC112220207B}" type="datetime1">
               <a:rPr lang="en-US" smtClean="0"/>
-              <a:t>10/16/2015</a:t>
+              <a:t>10/19/2015</a:t>
             </a:fld>
             <a:endParaRPr lang="en-US"/>
           </a:p>
@@ -2566,7 +2566,7 @@
           <a:p>
             <a:fld id="{FF5D65A6-AB94-4435-B0B7-3743215FA46C}" type="datetime1">
               <a:rPr lang="en-US" smtClean="0"/>
-              <a:t>10/16/2015</a:t>
+              <a:t>10/19/2015</a:t>
             </a:fld>
             <a:endParaRPr lang="en-US"/>
           </a:p>
@@ -2751,7 +2751,7 @@
           <a:p>
             <a:fld id="{FF5D65A6-AB94-4435-B0B7-3743215FA46C}" type="datetime1">
               <a:rPr lang="en-US" smtClean="0"/>
-              <a:t>10/16/2015</a:t>
+              <a:t>10/19/2015</a:t>
             </a:fld>
             <a:endParaRPr lang="en-US"/>
           </a:p>
@@ -3053,7 +3053,7 @@
           <a:p>
             <a:fld id="{7C193DC4-6EF0-48C9-B29C-616106A645E1}" type="datetime1">
               <a:rPr lang="en-US" smtClean="0"/>
-              <a:t>10/16/2015</a:t>
+              <a:t>10/19/2015</a:t>
             </a:fld>
             <a:endParaRPr lang="en-US"/>
           </a:p>
@@ -3341,7 +3341,7 @@
           <a:p>
             <a:fld id="{5D1846AD-9252-4647-9435-4C2AC365653A}" type="datetime1">
               <a:rPr lang="en-US" smtClean="0"/>
-              <a:t>10/16/2015</a:t>
+              <a:t>10/19/2015</a:t>
             </a:fld>
             <a:endParaRPr lang="en-US"/>
           </a:p>
@@ -3763,7 +3763,7 @@
           <a:p>
             <a:fld id="{CE56DC10-3561-4063-A6AF-C1CC7A41040A}" type="datetime1">
               <a:rPr lang="en-US" smtClean="0"/>
-              <a:t>10/16/2015</a:t>
+              <a:t>10/19/2015</a:t>
             </a:fld>
             <a:endParaRPr lang="en-US"/>
           </a:p>
@@ -3881,7 +3881,7 @@
           <a:p>
             <a:fld id="{2F7B77F5-1464-4F6B-92A8-64FC8A508293}" type="datetime1">
               <a:rPr lang="en-US" smtClean="0"/>
-              <a:t>10/16/2015</a:t>
+              <a:t>10/19/2015</a:t>
             </a:fld>
             <a:endParaRPr lang="en-US"/>
           </a:p>
@@ -4113,7 +4113,7 @@
           <a:p>
             <a:fld id="{02B3F677-983B-48DB-ADFD-63FE6CBC7FB2}" type="datetime1">
               <a:rPr lang="en-US" smtClean="0"/>
-              <a:t>10/16/2015</a:t>
+              <a:t>10/19/2015</a:t>
             </a:fld>
             <a:endParaRPr lang="en-US"/>
           </a:p>
@@ -8300,7 +8300,6 @@
               <a:rPr lang="en-US" sz="2000" dirty="0" smtClean="0"/>
               <a:t>;; on (+ lo 1)</a:t>
             </a:r>
-            <a:endParaRPr lang="en-US" sz="2000" dirty="0" smtClean="0"/>
           </a:p>
           <a:p>
             <a:r>
@@ -9010,18 +9009,24 @@
           <a:lstStyle/>
           <a:p>
             <a:r>
+              <a:rPr lang="en-US" smtClean="0"/>
+              <a:t>Study the files 08-6-function-sum.rkt and 08-7-linear-search.rkt</a:t>
+            </a:r>
+          </a:p>
+          <a:p>
+            <a:r>
               <a:rPr lang="en-US" dirty="0" smtClean="0"/>
-              <a:t>If you have questions about this lesson, ask them on the Discussion Board</a:t>
-            </a:r>
-          </a:p>
-          <a:p>
-            <a:r>
-              <a:rPr lang="en-US" smtClean="0"/>
-              <a:t>Go </a:t>
+              <a:t>If </a:t>
             </a:r>
             <a:r>
               <a:rPr lang="en-US" dirty="0" smtClean="0"/>
-              <a:t>on to the next lesson</a:t>
+              <a:t>you have questions about this lesson, ask them on the Discussion Board</a:t>
+            </a:r>
+          </a:p>
+          <a:p>
+            <a:r>
+              <a:rPr lang="en-US" dirty="0" smtClean="0"/>
+              <a:t>Go on to the next lesson</a:t>
             </a:r>
             <a:endParaRPr lang="en-US" dirty="0"/>
           </a:p>

--- a/Slides/Lesson 8.5 Linear Search.pptx
+++ b/Slides/Lesson 8.5 Linear Search.pptx
@@ -248,7 +248,7 @@
             <a:fld id="{CF8F25F6-E1EF-4065-8525-42EDEBD9BD22}" type="datetimeFigureOut">
               <a:rPr lang="en-US" smtClean="0"/>
               <a:pPr/>
-              <a:t>10/19/2015</a:t>
+              <a:t>10/26/2015</a:t>
             </a:fld>
             <a:endParaRPr lang="en-US"/>
           </a:p>
@@ -957,7 +957,7 @@
           <a:p>
             <a:fld id="{2F1F79F5-7BEC-496A-AFC7-876E38F64D71}" type="datetime1">
               <a:rPr lang="en-US" smtClean="0"/>
-              <a:t>10/19/2015</a:t>
+              <a:t>10/26/2015</a:t>
             </a:fld>
             <a:endParaRPr lang="en-US"/>
           </a:p>
@@ -1059,7 +1059,7 @@
           <a:p>
             <a:fld id="{0A05703A-7669-4FEA-9056-25299B4D29D4}" type="datetime1">
               <a:rPr lang="en-US" smtClean="0"/>
-              <a:t>10/19/2015</a:t>
+              <a:t>10/26/2015</a:t>
             </a:fld>
             <a:endParaRPr lang="en-US"/>
           </a:p>
@@ -1336,7 +1336,7 @@
           <a:p>
             <a:fld id="{6E5077B5-BB57-49DB-88CA-226A139E5C01}" type="datetime1">
               <a:rPr lang="en-US" smtClean="0"/>
-              <a:t>10/19/2015</a:t>
+              <a:t>10/26/2015</a:t>
             </a:fld>
             <a:endParaRPr lang="en-US"/>
           </a:p>
@@ -1589,7 +1589,7 @@
           <a:p>
             <a:fld id="{C48D9447-CBD6-49A1-89FD-8512A8CF8999}" type="datetime1">
               <a:rPr lang="en-US" smtClean="0"/>
-              <a:t>10/19/2015</a:t>
+              <a:t>10/26/2015</a:t>
             </a:fld>
             <a:endParaRPr lang="en-US"/>
           </a:p>
@@ -1759,7 +1759,7 @@
           <a:p>
             <a:fld id="{A3639A2A-823D-48B7-9ACE-7FAF42870BA9}" type="datetime1">
               <a:rPr lang="en-US" smtClean="0"/>
-              <a:t>10/19/2015</a:t>
+              <a:t>10/26/2015</a:t>
             </a:fld>
             <a:endParaRPr lang="en-US"/>
           </a:p>
@@ -1939,7 +1939,7 @@
           <a:p>
             <a:fld id="{ED1B6996-82E9-463C-972C-7B56056E426C}" type="datetime1">
               <a:rPr lang="en-US" smtClean="0"/>
-              <a:t>10/19/2015</a:t>
+              <a:t>10/26/2015</a:t>
             </a:fld>
             <a:endParaRPr lang="en-US"/>
           </a:p>
@@ -2115,7 +2115,7 @@
           <a:p>
             <a:fld id="{E22ED4DA-448D-4BB1-B935-CC112220207B}" type="datetime1">
               <a:rPr lang="en-US" smtClean="0"/>
-              <a:t>10/19/2015</a:t>
+              <a:t>10/26/2015</a:t>
             </a:fld>
             <a:endParaRPr lang="en-US"/>
           </a:p>
@@ -2297,7 +2297,7 @@
           <a:p>
             <a:fld id="{E22ED4DA-448D-4BB1-B935-CC112220207B}" type="datetime1">
               <a:rPr lang="en-US" smtClean="0"/>
-              <a:t>10/19/2015</a:t>
+              <a:t>10/26/2015</a:t>
             </a:fld>
             <a:endParaRPr lang="en-US"/>
           </a:p>
@@ -2566,7 +2566,7 @@
           <a:p>
             <a:fld id="{FF5D65A6-AB94-4435-B0B7-3743215FA46C}" type="datetime1">
               <a:rPr lang="en-US" smtClean="0"/>
-              <a:t>10/19/2015</a:t>
+              <a:t>10/26/2015</a:t>
             </a:fld>
             <a:endParaRPr lang="en-US"/>
           </a:p>
@@ -2751,7 +2751,7 @@
           <a:p>
             <a:fld id="{FF5D65A6-AB94-4435-B0B7-3743215FA46C}" type="datetime1">
               <a:rPr lang="en-US" smtClean="0"/>
-              <a:t>10/19/2015</a:t>
+              <a:t>10/26/2015</a:t>
             </a:fld>
             <a:endParaRPr lang="en-US"/>
           </a:p>
@@ -3053,7 +3053,7 @@
           <a:p>
             <a:fld id="{7C193DC4-6EF0-48C9-B29C-616106A645E1}" type="datetime1">
               <a:rPr lang="en-US" smtClean="0"/>
-              <a:t>10/19/2015</a:t>
+              <a:t>10/26/2015</a:t>
             </a:fld>
             <a:endParaRPr lang="en-US"/>
           </a:p>
@@ -3341,7 +3341,7 @@
           <a:p>
             <a:fld id="{5D1846AD-9252-4647-9435-4C2AC365653A}" type="datetime1">
               <a:rPr lang="en-US" smtClean="0"/>
-              <a:t>10/19/2015</a:t>
+              <a:t>10/26/2015</a:t>
             </a:fld>
             <a:endParaRPr lang="en-US"/>
           </a:p>
@@ -3763,7 +3763,7 @@
           <a:p>
             <a:fld id="{CE56DC10-3561-4063-A6AF-C1CC7A41040A}" type="datetime1">
               <a:rPr lang="en-US" smtClean="0"/>
-              <a:t>10/19/2015</a:t>
+              <a:t>10/26/2015</a:t>
             </a:fld>
             <a:endParaRPr lang="en-US"/>
           </a:p>
@@ -3881,7 +3881,7 @@
           <a:p>
             <a:fld id="{2F7B77F5-1464-4F6B-92A8-64FC8A508293}" type="datetime1">
               <a:rPr lang="en-US" smtClean="0"/>
-              <a:t>10/19/2015</a:t>
+              <a:t>10/26/2015</a:t>
             </a:fld>
             <a:endParaRPr lang="en-US"/>
           </a:p>
@@ -4113,7 +4113,7 @@
           <a:p>
             <a:fld id="{02B3F677-983B-48DB-ADFD-63FE6CBC7FB2}" type="datetime1">
               <a:rPr lang="en-US" smtClean="0"/>
-              <a:t>10/19/2015</a:t>
+              <a:t>10/26/2015</a:t>
             </a:fld>
             <a:endParaRPr lang="en-US"/>
           </a:p>
@@ -6770,15 +6770,23 @@
             </a:r>
             <a:r>
               <a:rPr lang="en-US" dirty="0" smtClean="0"/>
-              <a:t> increases at every call, so (hi – </a:t>
-            </a:r>
-            <a:r>
-              <a:rPr lang="en-US" dirty="0" err="1" smtClean="0"/>
+              <a:t> increases at every call, so </a:t>
+            </a:r>
+            <a:r>
+              <a:rPr lang="en-US" b="1" dirty="0" smtClean="0"/>
+              <a:t>(hi – </a:t>
+            </a:r>
+            <a:r>
+              <a:rPr lang="en-US" b="1" dirty="0" err="1" smtClean="0"/>
               <a:t>i</a:t>
             </a:r>
             <a:r>
+              <a:rPr lang="en-US" b="1" dirty="0" smtClean="0"/>
+              <a:t>) </a:t>
+            </a:r>
+            <a:r>
               <a:rPr lang="en-US" dirty="0" smtClean="0"/>
-              <a:t>) decreases at every call.</a:t>
+              <a:t>decreases at every call.</a:t>
             </a:r>
           </a:p>
           <a:p>
@@ -7521,10 +7529,6 @@
                 <a:spcPts val="0"/>
               </a:spcBef>
             </a:pPr>
-            <a:r>
-              <a:rPr lang="en-US" sz="2000" dirty="0" smtClean="0"/>
-              <a:t>;; STRATEGY: General Recursion</a:t>
-            </a:r>
             <a:endParaRPr lang="en-US" sz="2000" dirty="0"/>
           </a:p>
         </p:txBody>
@@ -9016,11 +9020,7 @@
           <a:p>
             <a:r>
               <a:rPr lang="en-US" dirty="0" smtClean="0"/>
-              <a:t>If </a:t>
-            </a:r>
-            <a:r>
-              <a:rPr lang="en-US" dirty="0" smtClean="0"/>
-              <a:t>you have questions about this lesson, ask them on the Discussion Board</a:t>
+              <a:t>If you have questions about this lesson, ask them on the Discussion Board</a:t>
             </a:r>
           </a:p>
           <a:p>
@@ -10524,7 +10524,7 @@
               <a:buChar char="•"/>
             </a:pPr>
             <a:r>
-              <a:rPr lang="en-US" dirty="0" smtClean="0">
+              <a:rPr lang="en-US" b="1" dirty="0" smtClean="0">
                 <a:solidFill>
                   <a:schemeClr val="tx1"/>
                 </a:solidFill>
@@ -10538,7 +10538,7 @@
               <a:buChar char="•"/>
             </a:pPr>
             <a:r>
-              <a:rPr lang="en-US" dirty="0" err="1" smtClean="0">
+              <a:rPr lang="en-US" b="1" dirty="0" err="1" smtClean="0">
                 <a:solidFill>
                   <a:schemeClr val="tx1"/>
                 </a:solidFill>
@@ -10560,12 +10560,20 @@
               <a:buChar char="•"/>
             </a:pPr>
             <a:r>
+              <a:rPr lang="en-US" b="1" dirty="0" smtClean="0">
+                <a:solidFill>
+                  <a:schemeClr val="tx1"/>
+                </a:solidFill>
+              </a:rPr>
+              <a:t>hi</a:t>
+            </a:r>
+            <a:r>
               <a:rPr lang="en-US" dirty="0" smtClean="0">
                 <a:solidFill>
                   <a:schemeClr val="tx1"/>
                 </a:solidFill>
               </a:rPr>
-              <a:t>hi, and</a:t>
+              <a:t>, and</a:t>
             </a:r>
           </a:p>
           <a:p>
@@ -10574,7 +10582,7 @@
               <a:buChar char="•"/>
             </a:pPr>
             <a:r>
-              <a:rPr lang="en-US" dirty="0" err="1" smtClean="0">
+              <a:rPr lang="en-US" b="1" dirty="0" err="1" smtClean="0">
                 <a:solidFill>
                   <a:schemeClr val="tx1"/>
                 </a:solidFill>
@@ -10650,7 +10658,7 @@
           <a:p>
             <a:pPr algn="ctr"/>
             <a:r>
-              <a:rPr lang="en-US" dirty="0" err="1" smtClean="0">
+              <a:rPr lang="en-US" b="1" dirty="0" err="1" smtClean="0">
                 <a:solidFill>
                   <a:schemeClr val="tx1"/>
                 </a:solidFill>
@@ -10658,7 +10666,7 @@
               <a:t>sofar</a:t>
             </a:r>
             <a:r>
-              <a:rPr lang="en-US" dirty="0" smtClean="0">
+              <a:rPr lang="en-US" b="1" dirty="0" smtClean="0">
                 <a:solidFill>
                   <a:schemeClr val="tx1"/>
                 </a:solidFill>
@@ -10666,7 +10674,7 @@
               <a:t> + SUM{f(j)|</a:t>
             </a:r>
             <a:r>
-              <a:rPr lang="en-US" dirty="0" err="1" smtClean="0">
+              <a:rPr lang="en-US" b="1" dirty="0" err="1" smtClean="0">
                 <a:solidFill>
                   <a:schemeClr val="tx1"/>
                 </a:solidFill>
@@ -10674,7 +10682,7 @@
               <a:t>i</a:t>
             </a:r>
             <a:r>
-              <a:rPr lang="en-US" dirty="0" smtClean="0">
+              <a:rPr lang="en-US" b="1" dirty="0" smtClean="0">
                 <a:solidFill>
                   <a:schemeClr val="tx1"/>
                 </a:solidFill>
@@ -10739,7 +10747,7 @@
               <a:t>This is a function of </a:t>
             </a:r>
             <a:r>
-              <a:rPr lang="en-US" dirty="0" err="1" smtClean="0">
+              <a:rPr lang="en-US" b="1" dirty="0" err="1" smtClean="0">
                 <a:solidFill>
                   <a:schemeClr val="tx1"/>
                 </a:solidFill>
@@ -10752,10 +10760,26 @@
                   <a:schemeClr val="tx1"/>
                 </a:solidFill>
               </a:rPr>
-              <a:t>, hi, </a:t>
-            </a:r>
-            <a:r>
-              <a:rPr lang="en-US" dirty="0" err="1" smtClean="0">
+              <a:t>, </a:t>
+            </a:r>
+            <a:r>
+              <a:rPr lang="en-US" b="1" dirty="0" smtClean="0">
+                <a:solidFill>
+                  <a:schemeClr val="tx1"/>
+                </a:solidFill>
+              </a:rPr>
+              <a:t>hi</a:t>
+            </a:r>
+            <a:r>
+              <a:rPr lang="en-US" dirty="0" smtClean="0">
+                <a:solidFill>
+                  <a:schemeClr val="tx1"/>
+                </a:solidFill>
+              </a:rPr>
+              <a:t>, </a:t>
+            </a:r>
+            <a:r>
+              <a:rPr lang="en-US" b="1" dirty="0" err="1" smtClean="0">
                 <a:solidFill>
                   <a:schemeClr val="tx1"/>
                 </a:solidFill>
@@ -10768,7 +10792,23 @@
                   <a:schemeClr val="tx1"/>
                 </a:solidFill>
               </a:rPr>
-              <a:t>, and f.</a:t>
+              <a:t>, and </a:t>
+            </a:r>
+            <a:r>
+              <a:rPr lang="en-US" b="1" dirty="0" smtClean="0">
+                <a:solidFill>
+                  <a:schemeClr val="tx1"/>
+                </a:solidFill>
+              </a:rPr>
+              <a:t>f</a:t>
+            </a:r>
+            <a:r>
+              <a:rPr lang="en-US" dirty="0" smtClean="0">
+                <a:solidFill>
+                  <a:schemeClr val="tx1"/>
+                </a:solidFill>
+              </a:rPr>
+              <a:t>.</a:t>
             </a:r>
           </a:p>
         </p:txBody>
